--- a/Bookworm Library Interface.pptx
+++ b/Bookworm Library Interface.pptx
@@ -312,7 +312,7 @@
           <a:p>
             <a:fld id="{3D5FB739-C4F6-4C35-88BD-F33EA65F5564}" type="datetimeFigureOut">
               <a:rPr lang="fr-FR" smtClean="0"/>
-              <a:t>02/12/2014</a:t>
+              <a:t>12/2/14</a:t>
             </a:fld>
             <a:endParaRPr lang="fr-FR"/>
           </a:p>
@@ -512,7 +512,7 @@
           <a:p>
             <a:fld id="{3D5FB739-C4F6-4C35-88BD-F33EA65F5564}" type="datetimeFigureOut">
               <a:rPr lang="fr-FR" smtClean="0"/>
-              <a:t>02/12/2014</a:t>
+              <a:t>12/2/14</a:t>
             </a:fld>
             <a:endParaRPr lang="fr-FR"/>
           </a:p>
@@ -687,7 +687,7 @@
           <a:p>
             <a:fld id="{3D5FB739-C4F6-4C35-88BD-F33EA65F5564}" type="datetimeFigureOut">
               <a:rPr lang="fr-FR" smtClean="0"/>
-              <a:t>02/12/2014</a:t>
+              <a:t>12/2/14</a:t>
             </a:fld>
             <a:endParaRPr lang="fr-FR"/>
           </a:p>
@@ -852,7 +852,7 @@
           <a:p>
             <a:fld id="{3D5FB739-C4F6-4C35-88BD-F33EA65F5564}" type="datetimeFigureOut">
               <a:rPr lang="fr-FR" smtClean="0"/>
-              <a:t>02/12/2014</a:t>
+              <a:t>12/2/14</a:t>
             </a:fld>
             <a:endParaRPr lang="fr-FR"/>
           </a:p>
@@ -1100,7 +1100,7 @@
           <a:p>
             <a:fld id="{3D5FB739-C4F6-4C35-88BD-F33EA65F5564}" type="datetimeFigureOut">
               <a:rPr lang="fr-FR" smtClean="0"/>
-              <a:t>02/12/2014</a:t>
+              <a:t>12/2/14</a:t>
             </a:fld>
             <a:endParaRPr lang="fr-FR"/>
           </a:p>
@@ -1418,7 +1418,7 @@
           <a:p>
             <a:fld id="{3D5FB739-C4F6-4C35-88BD-F33EA65F5564}" type="datetimeFigureOut">
               <a:rPr lang="fr-FR" smtClean="0"/>
-              <a:t>02/12/2014</a:t>
+              <a:t>12/2/14</a:t>
             </a:fld>
             <a:endParaRPr lang="fr-FR"/>
           </a:p>
@@ -1884,7 +1884,7 @@
           <a:p>
             <a:fld id="{3D5FB739-C4F6-4C35-88BD-F33EA65F5564}" type="datetimeFigureOut">
               <a:rPr lang="fr-FR" smtClean="0"/>
-              <a:t>02/12/2014</a:t>
+              <a:t>12/2/14</a:t>
             </a:fld>
             <a:endParaRPr lang="fr-FR"/>
           </a:p>
@@ -2032,7 +2032,7 @@
           <a:p>
             <a:fld id="{3D5FB739-C4F6-4C35-88BD-F33EA65F5564}" type="datetimeFigureOut">
               <a:rPr lang="fr-FR" smtClean="0"/>
-              <a:t>02/12/2014</a:t>
+              <a:t>12/2/14</a:t>
             </a:fld>
             <a:endParaRPr lang="fr-FR"/>
           </a:p>
@@ -2122,7 +2122,7 @@
           <a:p>
             <a:fld id="{3D5FB739-C4F6-4C35-88BD-F33EA65F5564}" type="datetimeFigureOut">
               <a:rPr lang="fr-FR" smtClean="0"/>
-              <a:t>02/12/2014</a:t>
+              <a:t>12/2/14</a:t>
             </a:fld>
             <a:endParaRPr lang="fr-FR"/>
           </a:p>
@@ -2396,7 +2396,7 @@
           <a:p>
             <a:fld id="{3D5FB739-C4F6-4C35-88BD-F33EA65F5564}" type="datetimeFigureOut">
               <a:rPr lang="fr-FR" smtClean="0"/>
-              <a:t>02/12/2014</a:t>
+              <a:t>12/2/14</a:t>
             </a:fld>
             <a:endParaRPr lang="fr-FR"/>
           </a:p>
@@ -2701,7 +2701,7 @@
           <a:p>
             <a:fld id="{3D5FB739-C4F6-4C35-88BD-F33EA65F5564}" type="datetimeFigureOut">
               <a:rPr lang="fr-FR" smtClean="0"/>
-              <a:t>02/12/2014</a:t>
+              <a:t>12/2/14</a:t>
             </a:fld>
             <a:endParaRPr lang="fr-FR"/>
           </a:p>
@@ -2999,7 +2999,7 @@
           <a:p>
             <a:fld id="{3D5FB739-C4F6-4C35-88BD-F33EA65F5564}" type="datetimeFigureOut">
               <a:rPr lang="fr-FR" smtClean="0"/>
-              <a:t>02/12/2014</a:t>
+              <a:t>12/2/14</a:t>
             </a:fld>
             <a:endParaRPr lang="fr-FR"/>
           </a:p>
@@ -3492,8 +3492,16 @@
           <a:lstStyle/>
           <a:p>
             <a:r>
+              <a:rPr lang="en-US" smtClean="0"/>
+              <a:t>Users </a:t>
+            </a:r>
+            <a:r>
+              <a:rPr lang="en-US" smtClean="0"/>
+              <a:t>that </a:t>
+            </a:r>
+            <a:r>
               <a:rPr lang="en-US" dirty="0" smtClean="0"/>
-              <a:t>Users the have checked out at least 5 books</a:t>
+              <a:t>have checked out at least 5 books</a:t>
             </a:r>
             <a:endParaRPr lang="fr-FR" dirty="0"/>
           </a:p>
@@ -4181,11 +4189,7 @@
           <a:p>
             <a:r>
               <a:rPr lang="en-US" sz="2400" b="1" dirty="0" smtClean="0"/>
-              <a:t>Query </a:t>
-            </a:r>
-            <a:r>
-              <a:rPr lang="en-US" sz="2400" b="1" dirty="0" smtClean="0"/>
-              <a:t>:</a:t>
+              <a:t>Query :</a:t>
             </a:r>
           </a:p>
           <a:p>
@@ -5458,15 +5462,7 @@
             </a:r>
             <a:r>
               <a:rPr lang="en-US" sz="2400" dirty="0" smtClean="0"/>
-              <a:t>, </a:t>
-            </a:r>
-            <a:r>
-              <a:rPr lang="en-US" sz="2400" dirty="0" smtClean="0"/>
-              <a:t>	r1.publisher_id</a:t>
-            </a:r>
-            <a:r>
-              <a:rPr lang="en-US" sz="2400" dirty="0" smtClean="0"/>
-              <a:t>, Publishers.name as </a:t>
+              <a:t>, 	r1.publisher_id, Publishers.name as </a:t>
             </a:r>
             <a:r>
               <a:rPr lang="en-US" sz="2400" dirty="0" err="1" smtClean="0"/>
@@ -5496,11 +5492,7 @@
           <a:p>
             <a:r>
               <a:rPr lang="en-US" sz="2400" dirty="0" smtClean="0"/>
-              <a:t>	FROM </a:t>
-            </a:r>
-            <a:r>
-              <a:rPr lang="en-US" sz="2400" dirty="0" smtClean="0"/>
-              <a:t>Books) as r1, Authors, Publishers</a:t>
+              <a:t>	FROM Books) as r1, Authors, Publishers</a:t>
             </a:r>
           </a:p>
           <a:p>
@@ -5514,11 +5506,7 @@
             </a:r>
             <a:r>
               <a:rPr lang="en-US" sz="2400" dirty="0" smtClean="0"/>
-              <a:t> AND </a:t>
-            </a:r>
-            <a:r>
-              <a:rPr lang="en-US" sz="2400" dirty="0" smtClean="0"/>
-              <a:t>	r1.publisher_id=</a:t>
+              <a:t> AND 	r1.publisher_id=</a:t>
             </a:r>
             <a:r>
               <a:rPr lang="en-US" sz="2400" dirty="0" err="1" smtClean="0"/>
